--- a/Greenlist.pptx
+++ b/Greenlist.pptx
@@ -6134,7 +6134,7 @@
     </p:spTree>
     <p:extLst>
       <p:ext uri="{BB962C8B-B14F-4D97-AF65-F5344CB8AC3E}">
-        <p14:creationId xmlns:p14="http://schemas.microsoft.com/office/powerpoint/2010/main" xmlns="" val="1642343887"/>
+        <p14:creationId xmlns="" xmlns:p14="http://schemas.microsoft.com/office/powerpoint/2010/main" val="1642343887"/>
       </p:ext>
     </p:extLst>
   </p:cSld>
@@ -6303,7 +6303,11 @@
             <a:pPr lvl="1"/>
             <a:r>
               <a:rPr lang="en-US" dirty="0" smtClean="0"/>
-              <a:t>Donate e-waste</a:t>
+              <a:t>Donate items such as </a:t>
+            </a:r>
+            <a:r>
+              <a:rPr lang="en-US" dirty="0" smtClean="0"/>
+              <a:t>e-waste</a:t>
             </a:r>
           </a:p>
           <a:p>
@@ -6665,15 +6669,7 @@
           <a:p>
             <a:r>
               <a:rPr lang="en-US" dirty="0" smtClean="0"/>
-              <a:t>Minimum costs – Thanks to the power of </a:t>
-            </a:r>
-            <a:r>
-              <a:rPr lang="en-US" dirty="0" smtClean="0"/>
-              <a:t>c</a:t>
-            </a:r>
-            <a:r>
-              <a:rPr lang="en-US" dirty="0" smtClean="0"/>
-              <a:t>loud computing</a:t>
+              <a:t>Minimum costs – Thanks to the power of cloud computing</a:t>
             </a:r>
             <a:endParaRPr lang="en-SG" dirty="0"/>
           </a:p>
@@ -6789,7 +6785,7 @@
 <file path=ppt/theme/theme1.xml><?xml version="1.0" encoding="utf-8"?>
 <a:theme xmlns:a="http://schemas.openxmlformats.org/drawingml/2006/main" name="Parallax">
   <a:themeElements>
-    <a:clrScheme name="Parallax">
+    <a:clrScheme name="Metro">
       <a:dk1>
         <a:sysClr val="windowText" lastClr="000000"/>
       </a:dk1>
@@ -6797,34 +6793,34 @@
         <a:sysClr val="window" lastClr="FFFFFF"/>
       </a:lt1>
       <a:dk2>
-        <a:srgbClr val="212121"/>
+        <a:srgbClr val="4E5B6F"/>
       </a:dk2>
       <a:lt2>
-        <a:srgbClr val="CDD0D1"/>
+        <a:srgbClr val="D6ECFF"/>
       </a:lt2>
       <a:accent1>
-        <a:srgbClr val="30ACEC"/>
+        <a:srgbClr val="7FD13B"/>
       </a:accent1>
       <a:accent2>
-        <a:srgbClr val="80C34F"/>
+        <a:srgbClr val="EA157A"/>
       </a:accent2>
       <a:accent3>
-        <a:srgbClr val="E29D3E"/>
+        <a:srgbClr val="FEB80A"/>
       </a:accent3>
       <a:accent4>
-        <a:srgbClr val="D64A3B"/>
+        <a:srgbClr val="00ADDC"/>
       </a:accent4>
       <a:accent5>
-        <a:srgbClr val="D64787"/>
+        <a:srgbClr val="738AC8"/>
       </a:accent5>
       <a:accent6>
-        <a:srgbClr val="A666E1"/>
+        <a:srgbClr val="1AB39F"/>
       </a:accent6>
       <a:hlink>
-        <a:srgbClr val="3085ED"/>
+        <a:srgbClr val="EB8803"/>
       </a:hlink>
       <a:folHlink>
-        <a:srgbClr val="82B6F4"/>
+        <a:srgbClr val="5F7791"/>
       </a:folHlink>
     </a:clrScheme>
     <a:fontScheme name="Parallax">
@@ -7036,7 +7032,7 @@
   <a:extraClrSchemeLst/>
   <a:extLst>
     <a:ext uri="{05A4C25C-085E-4340-85A3-A5531E510DB2}">
-      <thm15:themeFamily xmlns:thm15="http://schemas.microsoft.com/office/thememl/2012/main" xmlns="" name="Parallax" id="{3388167B-A2EB-4685-9635-1831D9AEF8C4}" vid="{4F7A876A-7598-49CA-AFC8-8EDA2551E4A7}"/>
+      <thm15:themeFamily xmlns="" xmlns:thm15="http://schemas.microsoft.com/office/thememl/2012/main" name="Parallax" id="{3388167B-A2EB-4685-9635-1831D9AEF8C4}" vid="{4F7A876A-7598-49CA-AFC8-8EDA2551E4A7}"/>
     </a:ext>
   </a:extLst>
 </a:theme>
